--- a/graphs/Coverage.pptx
+++ b/graphs/Coverage.pptx
@@ -104,6 +104,11 @@
       </a:defRPr>
     </a:lvl9pPr>
   </p:defaultTextStyle>
+  <p:extLst>
+    <p:ext uri="{EFAFB233-063F-42B5-8137-9DF3F51BA10A}">
+      <p15:sldGuideLst xmlns:p15="http://schemas.microsoft.com/office/powerpoint/2012/main"/>
+    </p:ext>
+  </p:extLst>
 </p:presentation>
 </file>
 
@@ -371,11 +376,11 @@
           <c:showBubbleSize val="0"/>
         </c:dLbls>
         <c:gapWidth val="137"/>
-        <c:axId val="1932411568"/>
-        <c:axId val="1932412112"/>
+        <c:axId val="-1590251616"/>
+        <c:axId val="-1590257600"/>
       </c:barChart>
       <c:catAx>
-        <c:axId val="1932411568"/>
+        <c:axId val="-1590251616"/>
         <c:scaling>
           <c:orientation val="minMax"/>
         </c:scaling>
@@ -415,7 +420,7 @@
             <a:endParaRPr lang="en-US"/>
           </a:p>
         </c:txPr>
-        <c:crossAx val="1932412112"/>
+        <c:crossAx val="-1590257600"/>
         <c:crosses val="autoZero"/>
         <c:auto val="1"/>
         <c:lblAlgn val="ctr"/>
@@ -423,7 +428,7 @@
         <c:noMultiLvlLbl val="0"/>
       </c:catAx>
       <c:valAx>
-        <c:axId val="1932412112"/>
+        <c:axId val="-1590257600"/>
         <c:scaling>
           <c:orientation val="minMax"/>
         </c:scaling>
@@ -551,7 +556,7 @@
             <a:endParaRPr lang="en-US"/>
           </a:p>
         </c:txPr>
-        <c:crossAx val="1932411568"/>
+        <c:crossAx val="-1590251616"/>
         <c:crosses val="autoZero"/>
         <c:crossBetween val="between"/>
       </c:valAx>
@@ -4041,7 +4046,7 @@
           <p:nvPr>
             <p:extLst>
               <p:ext uri="{D42A27DB-BD31-4B8C-83A1-F6EECF244321}">
-                <p14:modId xmlns:p14="http://schemas.microsoft.com/office/powerpoint/2010/main" val="1505475959"/>
+                <p14:modId xmlns:p14="http://schemas.microsoft.com/office/powerpoint/2010/main" val="2387735232"/>
               </p:ext>
             </p:extLst>
           </p:nvPr>
